--- a/tweet_data/media/HIP/HIP9.pptx
+++ b/tweet_data/media/HIP/HIP9.pptx
@@ -214,7 +214,7 @@
           <a:p>
             <a:fld id="{762B48F5-BACC-47D6-A0F7-82FBF9C6BC85}" type="datetimeFigureOut">
               <a:rPr lang="en-US"/>
-              <a:t>7/22/2021</a:t>
+              <a:t>10/5/2021</a:t>
             </a:fld>
             <a:endParaRPr/>
           </a:p>
@@ -379,7 +379,7 @@
           <a:p>
             <a:fld id="{0CB1CD00-5424-4675-AB18-2C419B060449}" type="datetimeFigureOut">
               <a:rPr lang="en-US"/>
-              <a:t>7/22/2021</a:t>
+              <a:t>10/5/2021</a:t>
             </a:fld>
             <a:endParaRPr/>
           </a:p>
@@ -1016,7 +1016,7 @@
           <a:p>
             <a:fld id="{37CC0096-1860-4642-9CD2-0079EA5E7CD1}" type="datetimeFigureOut">
               <a:rPr lang="en-US" smtClean="0"/>
-              <a:t>7/22/2021</a:t>
+              <a:t>10/5/2021</a:t>
             </a:fld>
             <a:endParaRPr lang="en-US"/>
           </a:p>
@@ -1196,7 +1196,7 @@
           <a:p>
             <a:fld id="{37CC0096-1860-4642-9CD2-0079EA5E7CD1}" type="datetimeFigureOut">
               <a:rPr lang="en-US" smtClean="0"/>
-              <a:t>7/22/2021</a:t>
+              <a:t>10/5/2021</a:t>
             </a:fld>
             <a:endParaRPr lang="en-US"/>
           </a:p>
@@ -1370,7 +1370,7 @@
           <a:p>
             <a:fld id="{37CC0096-1860-4642-9CD2-0079EA5E7CD1}" type="datetimeFigureOut">
               <a:rPr lang="en-US" smtClean="0"/>
-              <a:t>7/22/2021</a:t>
+              <a:t>10/5/2021</a:t>
             </a:fld>
             <a:endParaRPr lang="en-US"/>
           </a:p>
@@ -1805,7 +1805,7 @@
           <a:p>
             <a:fld id="{37CC0096-1860-4642-9CD2-0079EA5E7CD1}" type="datetimeFigureOut">
               <a:rPr lang="en-US" smtClean="0"/>
-              <a:t>7/22/2021</a:t>
+              <a:t>10/5/2021</a:t>
             </a:fld>
             <a:endParaRPr lang="en-US"/>
           </a:p>
@@ -2245,7 +2245,7 @@
           <a:p>
             <a:fld id="{37CC0096-1860-4642-9CD2-0079EA5E7CD1}" type="datetimeFigureOut">
               <a:rPr lang="en-US" smtClean="0"/>
-              <a:t>7/22/2021</a:t>
+              <a:t>10/5/2021</a:t>
             </a:fld>
             <a:endParaRPr lang="en-US"/>
           </a:p>
@@ -2363,7 +2363,7 @@
           <a:p>
             <a:fld id="{37CC0096-1860-4642-9CD2-0079EA5E7CD1}" type="datetimeFigureOut">
               <a:rPr lang="en-US" smtClean="0"/>
-              <a:t>7/22/2021</a:t>
+              <a:t>10/5/2021</a:t>
             </a:fld>
             <a:endParaRPr lang="en-US"/>
           </a:p>
@@ -2458,7 +2458,7 @@
           <a:p>
             <a:fld id="{37CC0096-1860-4642-9CD2-0079EA5E7CD1}" type="datetimeFigureOut">
               <a:rPr lang="en-US" smtClean="0"/>
-              <a:t>7/22/2021</a:t>
+              <a:t>10/5/2021</a:t>
             </a:fld>
             <a:endParaRPr lang="en-US"/>
           </a:p>
@@ -2742,7 +2742,7 @@
           <a:p>
             <a:fld id="{37CC0096-1860-4642-9CD2-0079EA5E7CD1}" type="datetimeFigureOut">
               <a:rPr lang="en-US" smtClean="0"/>
-              <a:t>7/22/2021</a:t>
+              <a:t>10/5/2021</a:t>
             </a:fld>
             <a:endParaRPr lang="en-US"/>
           </a:p>
@@ -3055,7 +3055,7 @@
           <a:p>
             <a:fld id="{37CC0096-1860-4642-9CD2-0079EA5E7CD1}" type="datetimeFigureOut">
               <a:rPr lang="en-US" smtClean="0"/>
-              <a:t>7/22/2021</a:t>
+              <a:t>10/5/2021</a:t>
             </a:fld>
             <a:endParaRPr lang="en-US"/>
           </a:p>
@@ -3314,7 +3314,7 @@
             <a:fld id="{37CC0096-1860-4642-9CD2-0079EA5E7CD1}" type="datetimeFigureOut">
               <a:rPr lang="en-US" smtClean="0"/>
               <a:pPr/>
-              <a:t>7/22/2021</a:t>
+              <a:t>10/5/2021</a:t>
             </a:fld>
             <a:endParaRPr lang="en-US"/>
           </a:p>
@@ -3800,12 +3800,12 @@
         </p:spPr>
         <p:txBody>
           <a:bodyPr>
-            <a:normAutofit/>
+            <a:noAutofit/>
           </a:bodyPr>
           <a:lstStyle/>
           <a:p>
             <a:r>
-              <a:rPr lang="en-US" sz="3600" b="1" smtClean="0">
+              <a:rPr lang="en-US" sz="4000" b="1" dirty="0" smtClean="0">
                 <a:solidFill>
                   <a:schemeClr val="tx1">
                     <a:lumMod val="95000"/>
@@ -3815,27 +3815,17 @@
               <a:t>HIP-9: Institute </a:t>
             </a:r>
             <a:r>
-              <a:rPr lang="en-US" sz="3600" b="1" dirty="0">
+              <a:rPr lang="en-US" sz="4000" b="1" dirty="0">
                 <a:solidFill>
                   <a:schemeClr val="tx1">
                     <a:lumMod val="95000"/>
                   </a:schemeClr>
                 </a:solidFill>
               </a:rPr>
-              <a:t>Last Out</a:t>
-            </a:r>
-            <a:r>
-              <a:rPr lang="en-US" sz="3600" b="1">
-                <a:solidFill>
-                  <a:schemeClr val="tx1">
-                    <a:lumMod val="95000"/>
-                  </a:schemeClr>
-                </a:solidFill>
-              </a:rPr>
-              <a:t>, </a:t>
-            </a:r>
-            <a:r>
-              <a:rPr lang="en-US" sz="3600" b="1" smtClean="0">
+              <a:t>Last Out, </a:t>
+            </a:r>
+            <a:r>
+              <a:rPr lang="en-US" sz="4000" b="1" dirty="0" smtClean="0">
                 <a:solidFill>
                   <a:schemeClr val="tx1">
                     <a:lumMod val="95000"/>
@@ -3845,7 +3835,7 @@
               <a:t/>
             </a:r>
             <a:br>
-              <a:rPr lang="en-US" sz="3600" b="1" smtClean="0">
+              <a:rPr lang="en-US" sz="4000" b="1" dirty="0" smtClean="0">
                 <a:solidFill>
                   <a:schemeClr val="tx1">
                     <a:lumMod val="95000"/>
@@ -3854,7 +3844,7 @@
               </a:rPr>
             </a:br>
             <a:r>
-              <a:rPr lang="en-US" sz="3600" b="1" smtClean="0">
+              <a:rPr lang="en-US" sz="4000" b="1" dirty="0" smtClean="0">
                 <a:solidFill>
                   <a:schemeClr val="tx1">
                     <a:lumMod val="95000"/>
@@ -3864,7 +3854,7 @@
               <a:t>First </a:t>
             </a:r>
             <a:r>
-              <a:rPr lang="en-US" sz="3600" b="1" dirty="0">
+              <a:rPr lang="en-US" sz="4000" b="1" dirty="0">
                 <a:solidFill>
                   <a:schemeClr val="tx1">
                     <a:lumMod val="95000"/>
@@ -3874,7 +3864,7 @@
               <a:t>In </a:t>
             </a:r>
             <a:r>
-              <a:rPr lang="en-US" sz="3600" b="1" dirty="0" err="1">
+              <a:rPr lang="en-US" sz="4000" b="1" dirty="0" err="1">
                 <a:solidFill>
                   <a:schemeClr val="tx1">
                     <a:lumMod val="95000"/>
@@ -3884,7 +3874,7 @@
               <a:t>Redelegations</a:t>
             </a:r>
             <a:r>
-              <a:rPr lang="en-US" sz="3600" b="1" dirty="0">
+              <a:rPr lang="en-US" sz="4000" b="1" dirty="0">
                 <a:solidFill>
                   <a:schemeClr val="tx1">
                     <a:lumMod val="95000"/>
@@ -3893,7 +3883,7 @@
               </a:rPr>
               <a:t> for Staking</a:t>
             </a:r>
-            <a:endParaRPr sz="3600" b="1" dirty="0">
+            <a:endParaRPr sz="4000" b="1" dirty="0">
               <a:solidFill>
                 <a:schemeClr val="tx1">
                   <a:lumMod val="95000"/>
@@ -4159,7 +4149,7 @@
         <p:spPr>
           <a:xfrm>
             <a:off x="28575" y="-228600"/>
-            <a:ext cx="12163425" cy="2092881"/>
+            <a:ext cx="11782425" cy="2092881"/>
           </a:xfrm>
           <a:prstGeom prst="rect">
             <a:avLst/>
@@ -4185,7 +4175,7 @@
                   <a:prstDash val="solid"/>
                 </a:ln>
                 <a:solidFill>
-                  <a:schemeClr val="bg1"/>
+                  <a:srgbClr val="FF0000"/>
                 </a:solidFill>
                 <a:effectLst>
                   <a:glow rad="127000">
@@ -4200,7 +4190,7 @@
                   </a:outerShdw>
                 </a:effectLst>
               </a:rPr>
-              <a:t>HIP-9</a:t>
+              <a:t>V-Dao Vote</a:t>
             </a:r>
             <a:endParaRPr lang="en-US" sz="13000" b="1" dirty="0">
               <a:ln w="12700">
@@ -4213,7 +4203,7 @@
                 <a:prstDash val="solid"/>
               </a:ln>
               <a:solidFill>
-                <a:schemeClr val="bg1"/>
+                <a:srgbClr val="FF0000"/>
               </a:solidFill>
               <a:effectLst>
                 <a:glow rad="127000">
@@ -4255,7 +4245,7 @@
           <a:p>
             <a:pPr algn="ctr"/>
             <a:r>
-              <a:rPr lang="en-US" sz="5400" b="1" dirty="0">
+              <a:rPr lang="en-US" sz="5400" b="1" dirty="0" smtClean="0">
                 <a:ln w="12700">
                   <a:solidFill>
                     <a:schemeClr val="accent3">
@@ -4279,8 +4269,59 @@
                   </a:outerShdw>
                 </a:effectLst>
               </a:rPr>
-              <a:t>talk.harmony.one</a:t>
-            </a:r>
+              <a:t>gov</a:t>
+            </a:r>
+            <a:r>
+              <a:rPr lang="en-US" sz="5400" b="1" dirty="0" smtClean="0">
+                <a:ln w="12700">
+                  <a:solidFill>
+                    <a:schemeClr val="accent3">
+                      <a:lumMod val="60000"/>
+                      <a:lumOff val="40000"/>
+                    </a:schemeClr>
+                  </a:solidFill>
+                  <a:prstDash val="solid"/>
+                </a:ln>
+                <a:solidFill>
+                  <a:schemeClr val="bg1"/>
+                </a:solidFill>
+                <a:effectLst>
+                  <a:glow rad="127000">
+                    <a:schemeClr val="tx1"/>
+                  </a:glow>
+                  <a:outerShdw blurRad="850900" dir="5400000" algn="t" rotWithShape="0">
+                    <a:prstClr val="black">
+                      <a:alpha val="13000"/>
+                    </a:prstClr>
+                  </a:outerShdw>
+                </a:effectLst>
+              </a:rPr>
+              <a:t>.harmony.one</a:t>
+            </a:r>
+            <a:endParaRPr lang="en-US" sz="5400" b="1" dirty="0">
+              <a:ln w="12700">
+                <a:solidFill>
+                  <a:schemeClr val="accent3">
+                    <a:lumMod val="60000"/>
+                    <a:lumOff val="40000"/>
+                  </a:schemeClr>
+                </a:solidFill>
+                <a:prstDash val="solid"/>
+              </a:ln>
+              <a:solidFill>
+                <a:schemeClr val="bg1"/>
+              </a:solidFill>
+              <a:effectLst>
+                <a:glow rad="127000">
+                  <a:schemeClr val="tx1"/>
+                </a:glow>
+                <a:outerShdw blurRad="850900" dir="5400000" algn="t" rotWithShape="0">
+                  <a:prstClr val="black">
+                    <a:alpha val="13000"/>
+                  </a:prstClr>
+                </a:outerShdw>
+              </a:effectLst>
+            </a:endParaRPr>
           </a:p>
         </p:txBody>
       </p:sp>
